--- a/Presentation_Status.pptx
+++ b/Presentation_Status.pptx
@@ -6,12 +6,17 @@
   </p:sldMasterIdLst>
   <p:sldIdLst>
     <p:sldId id="256" r:id="rId2"/>
-    <p:sldId id="257" r:id="rId3"/>
-    <p:sldId id="260" r:id="rId4"/>
-    <p:sldId id="261" r:id="rId5"/>
-    <p:sldId id="258" r:id="rId6"/>
-    <p:sldId id="259" r:id="rId7"/>
-    <p:sldId id="262" r:id="rId8"/>
+    <p:sldId id="264" r:id="rId3"/>
+    <p:sldId id="265" r:id="rId4"/>
+    <p:sldId id="257" r:id="rId5"/>
+    <p:sldId id="260" r:id="rId6"/>
+    <p:sldId id="263" r:id="rId7"/>
+    <p:sldId id="261" r:id="rId8"/>
+    <p:sldId id="258" r:id="rId9"/>
+    <p:sldId id="259" r:id="rId10"/>
+    <p:sldId id="266" r:id="rId11"/>
+    <p:sldId id="267" r:id="rId12"/>
+    <p:sldId id="268" r:id="rId13"/>
   </p:sldIdLst>
   <p:sldSz cx="12192000" cy="6858000"/>
   <p:notesSz cx="6858000" cy="9144000"/>
@@ -110,6 +115,11 @@
       </a:defRPr>
     </a:lvl9pPr>
   </p:defaultTextStyle>
+  <p:extLst>
+    <p:ext uri="{EFAFB233-063F-42B5-8137-9DF3F51BA10A}">
+      <p15:sldGuideLst xmlns:p15="http://schemas.microsoft.com/office/powerpoint/2012/main"/>
+    </p:ext>
+  </p:extLst>
 </p:presentation>
 </file>
 
@@ -262,7 +272,7 @@
           <a:p>
             <a:fld id="{B0BD434F-299C-4B50-9832-4A610F49EFA2}" type="datetimeFigureOut">
               <a:rPr lang="en-IN" smtClean="0"/>
-              <a:t>10-03-2019</a:t>
+              <a:t>12/03/19</a:t>
             </a:fld>
             <a:endParaRPr lang="en-IN"/>
           </a:p>
@@ -462,7 +472,7 @@
           <a:p>
             <a:fld id="{B0BD434F-299C-4B50-9832-4A610F49EFA2}" type="datetimeFigureOut">
               <a:rPr lang="en-IN" smtClean="0"/>
-              <a:t>10-03-2019</a:t>
+              <a:t>12/03/19</a:t>
             </a:fld>
             <a:endParaRPr lang="en-IN"/>
           </a:p>
@@ -672,7 +682,7 @@
           <a:p>
             <a:fld id="{B0BD434F-299C-4B50-9832-4A610F49EFA2}" type="datetimeFigureOut">
               <a:rPr lang="en-IN" smtClean="0"/>
-              <a:t>10-03-2019</a:t>
+              <a:t>12/03/19</a:t>
             </a:fld>
             <a:endParaRPr lang="en-IN"/>
           </a:p>
@@ -872,7 +882,7 @@
           <a:p>
             <a:fld id="{B0BD434F-299C-4B50-9832-4A610F49EFA2}" type="datetimeFigureOut">
               <a:rPr lang="en-IN" smtClean="0"/>
-              <a:t>10-03-2019</a:t>
+              <a:t>12/03/19</a:t>
             </a:fld>
             <a:endParaRPr lang="en-IN"/>
           </a:p>
@@ -1148,7 +1158,7 @@
           <a:p>
             <a:fld id="{B0BD434F-299C-4B50-9832-4A610F49EFA2}" type="datetimeFigureOut">
               <a:rPr lang="en-IN" smtClean="0"/>
-              <a:t>10-03-2019</a:t>
+              <a:t>12/03/19</a:t>
             </a:fld>
             <a:endParaRPr lang="en-IN"/>
           </a:p>
@@ -1416,7 +1426,7 @@
           <a:p>
             <a:fld id="{B0BD434F-299C-4B50-9832-4A610F49EFA2}" type="datetimeFigureOut">
               <a:rPr lang="en-IN" smtClean="0"/>
-              <a:t>10-03-2019</a:t>
+              <a:t>12/03/19</a:t>
             </a:fld>
             <a:endParaRPr lang="en-IN"/>
           </a:p>
@@ -1831,7 +1841,7 @@
           <a:p>
             <a:fld id="{B0BD434F-299C-4B50-9832-4A610F49EFA2}" type="datetimeFigureOut">
               <a:rPr lang="en-IN" smtClean="0"/>
-              <a:t>10-03-2019</a:t>
+              <a:t>12/03/19</a:t>
             </a:fld>
             <a:endParaRPr lang="en-IN"/>
           </a:p>
@@ -1973,7 +1983,7 @@
           <a:p>
             <a:fld id="{B0BD434F-299C-4B50-9832-4A610F49EFA2}" type="datetimeFigureOut">
               <a:rPr lang="en-IN" smtClean="0"/>
-              <a:t>10-03-2019</a:t>
+              <a:t>12/03/19</a:t>
             </a:fld>
             <a:endParaRPr lang="en-IN"/>
           </a:p>
@@ -2086,7 +2096,7 @@
           <a:p>
             <a:fld id="{B0BD434F-299C-4B50-9832-4A610F49EFA2}" type="datetimeFigureOut">
               <a:rPr lang="en-IN" smtClean="0"/>
-              <a:t>10-03-2019</a:t>
+              <a:t>12/03/19</a:t>
             </a:fld>
             <a:endParaRPr lang="en-IN"/>
           </a:p>
@@ -2399,7 +2409,7 @@
           <a:p>
             <a:fld id="{B0BD434F-299C-4B50-9832-4A610F49EFA2}" type="datetimeFigureOut">
               <a:rPr lang="en-IN" smtClean="0"/>
-              <a:t>10-03-2019</a:t>
+              <a:t>12/03/19</a:t>
             </a:fld>
             <a:endParaRPr lang="en-IN"/>
           </a:p>
@@ -2688,7 +2698,7 @@
           <a:p>
             <a:fld id="{B0BD434F-299C-4B50-9832-4A610F49EFA2}" type="datetimeFigureOut">
               <a:rPr lang="en-IN" smtClean="0"/>
-              <a:t>10-03-2019</a:t>
+              <a:t>12/03/19</a:t>
             </a:fld>
             <a:endParaRPr lang="en-IN"/>
           </a:p>
@@ -2931,7 +2941,7 @@
           <a:p>
             <a:fld id="{B0BD434F-299C-4B50-9832-4A610F49EFA2}" type="datetimeFigureOut">
               <a:rPr lang="en-IN" smtClean="0"/>
-              <a:t>10-03-2019</a:t>
+              <a:t>12/03/19</a:t>
             </a:fld>
             <a:endParaRPr lang="en-IN"/>
           </a:p>
@@ -3501,7 +3511,992 @@
 </p:sld>
 </file>
 
+<file path=ppt/slides/slide10.xml><?xml version="1.0" encoding="utf-8"?>
+<p:sld xmlns:a="http://schemas.openxmlformats.org/drawingml/2006/main" xmlns:r="http://schemas.openxmlformats.org/officeDocument/2006/relationships" xmlns:p="http://schemas.openxmlformats.org/presentationml/2006/main">
+  <p:cSld>
+    <p:bg>
+      <p:bgPr>
+        <a:solidFill>
+          <a:schemeClr val="bg1"/>
+        </a:solidFill>
+        <a:effectLst/>
+      </p:bgPr>
+    </p:bg>
+    <p:spTree>
+      <p:nvGrpSpPr>
+        <p:cNvPr id="1" name=""/>
+        <p:cNvGrpSpPr/>
+        <p:nvPr/>
+      </p:nvGrpSpPr>
+      <p:grpSpPr>
+        <a:xfrm>
+          <a:off x="0" y="0"/>
+          <a:ext cx="0" cy="0"/>
+          <a:chOff x="0" y="0"/>
+          <a:chExt cx="0" cy="0"/>
+        </a:xfrm>
+      </p:grpSpPr>
+      <p:sp>
+        <p:nvSpPr>
+          <p:cNvPr id="12" name="Rectangle 7">
+            <a:extLst>
+              <a:ext uri="{FF2B5EF4-FFF2-40B4-BE49-F238E27FC236}">
+                <a16:creationId xmlns:a16="http://schemas.microsoft.com/office/drawing/2014/main" id="{23962611-DFD5-4092-AAFD-559E3DFCE2C9}"/>
+              </a:ext>
+              <a:ext uri="{C183D7F6-B498-43B3-948B-1728B52AA6E4}">
+                <adec:decorative xmlns:adec="http://schemas.microsoft.com/office/drawing/2017/decorative" val="1"/>
+              </a:ext>
+            </a:extLst>
+          </p:cNvPr>
+          <p:cNvSpPr>
+            <a:spLocks noGrp="1" noRot="1" noChangeAspect="1" noMove="1" noResize="1" noEditPoints="1" noAdjustHandles="1" noChangeArrowheads="1" noChangeShapeType="1" noTextEdit="1"/>
+          </p:cNvSpPr>
+          <p:nvPr>
+            <p:extLst>
+              <p:ext uri="{386F3935-93C4-4BCD-93E2-E3B085C9AB24}">
+                <p16:designElem xmlns:p16="http://schemas.microsoft.com/office/powerpoint/2015/main" val="1"/>
+              </p:ext>
+            </p:extLst>
+          </p:nvPr>
+        </p:nvSpPr>
+        <p:spPr>
+          <a:xfrm>
+            <a:off x="475488" y="0"/>
+            <a:ext cx="10910292" cy="6858000"/>
+          </a:xfrm>
+          <a:prstGeom prst="rect">
+            <a:avLst/>
+          </a:prstGeom>
+          <a:gradFill>
+            <a:gsLst>
+              <a:gs pos="0">
+                <a:schemeClr val="accent1">
+                  <a:lumMod val="90000"/>
+                </a:schemeClr>
+              </a:gs>
+              <a:gs pos="25000">
+                <a:schemeClr val="accent1">
+                  <a:lumMod val="90000"/>
+                </a:schemeClr>
+              </a:gs>
+              <a:gs pos="94000">
+                <a:schemeClr val="bg2">
+                  <a:lumMod val="25000"/>
+                </a:schemeClr>
+              </a:gs>
+              <a:gs pos="100000">
+                <a:schemeClr val="bg2">
+                  <a:lumMod val="25000"/>
+                </a:schemeClr>
+              </a:gs>
+            </a:gsLst>
+            <a:lin ang="4200000" scaled="0"/>
+          </a:gradFill>
+          <a:ln>
+            <a:noFill/>
+          </a:ln>
+        </p:spPr>
+        <p:style>
+          <a:lnRef idx="2">
+            <a:schemeClr val="accent1">
+              <a:shade val="50000"/>
+            </a:schemeClr>
+          </a:lnRef>
+          <a:fillRef idx="1">
+            <a:schemeClr val="accent1"/>
+          </a:fillRef>
+          <a:effectRef idx="0">
+            <a:schemeClr val="accent1"/>
+          </a:effectRef>
+          <a:fontRef idx="minor">
+            <a:schemeClr val="lt1"/>
+          </a:fontRef>
+        </p:style>
+        <p:txBody>
+          <a:bodyPr rtlCol="0" anchor="ctr"/>
+          <a:lstStyle/>
+          <a:p>
+            <a:pPr algn="ctr"/>
+            <a:endParaRPr lang="en-US"/>
+          </a:p>
+        </p:txBody>
+      </p:sp>
+      <p:pic>
+        <p:nvPicPr>
+          <p:cNvPr id="13" name="Picture 9">
+            <a:extLst>
+              <a:ext uri="{FF2B5EF4-FFF2-40B4-BE49-F238E27FC236}">
+                <a16:creationId xmlns:a16="http://schemas.microsoft.com/office/drawing/2014/main" id="{2270F1FA-0425-408F-9861-80BF5AFB276D}"/>
+              </a:ext>
+              <a:ext uri="{C183D7F6-B498-43B3-948B-1728B52AA6E4}">
+                <adec:decorative xmlns:adec="http://schemas.microsoft.com/office/drawing/2017/decorative" val="1"/>
+              </a:ext>
+            </a:extLst>
+          </p:cNvPr>
+          <p:cNvPicPr>
+            <a:picLocks noGrp="1" noRot="1" noChangeAspect="1" noMove="1" noResize="1" noEditPoints="1" noAdjustHandles="1" noChangeArrowheads="1" noChangeShapeType="1" noCrop="1"/>
+          </p:cNvPicPr>
+          <p:nvPr>
+            <p:extLst>
+              <p:ext uri="{386F3935-93C4-4BCD-93E2-E3B085C9AB24}">
+                <p16:designElem xmlns:p16="http://schemas.microsoft.com/office/powerpoint/2015/main" val="1"/>
+              </p:ext>
+            </p:extLst>
+          </p:nvPr>
+        </p:nvPicPr>
+        <p:blipFill>
+          <a:blip r:embed="rId2">
+            <a:extLst>
+              <a:ext uri="{28A0092B-C50C-407E-A947-70E740481C1C}">
+                <a14:useLocalDpi xmlns:a14="http://schemas.microsoft.com/office/drawing/2010/main" val="0"/>
+              </a:ext>
+            </a:extLst>
+          </a:blip>
+          <a:stretch>
+            <a:fillRect/>
+          </a:stretch>
+        </p:blipFill>
+        <p:spPr>
+          <a:xfrm>
+            <a:off x="0" y="0"/>
+            <a:ext cx="12192000" cy="6858000"/>
+          </a:xfrm>
+          <a:prstGeom prst="rect">
+            <a:avLst/>
+          </a:prstGeom>
+        </p:spPr>
+      </p:pic>
+      <p:sp>
+        <p:nvSpPr>
+          <p:cNvPr id="2" name="Title 1">
+            <a:extLst>
+              <a:ext uri="{FF2B5EF4-FFF2-40B4-BE49-F238E27FC236}">
+                <a16:creationId xmlns:a16="http://schemas.microsoft.com/office/drawing/2014/main" id="{46D257CB-2793-B342-8CEC-DA4CB1FB7A30}"/>
+              </a:ext>
+            </a:extLst>
+          </p:cNvPr>
+          <p:cNvSpPr>
+            <a:spLocks noGrp="1"/>
+          </p:cNvSpPr>
+          <p:nvPr>
+            <p:ph type="title"/>
+          </p:nvPr>
+        </p:nvSpPr>
+        <p:spPr>
+          <a:xfrm>
+            <a:off x="3045368" y="2043663"/>
+            <a:ext cx="6105194" cy="2031055"/>
+          </a:xfrm>
+        </p:spPr>
+        <p:txBody>
+          <a:bodyPr vert="horz" lIns="91440" tIns="45720" rIns="91440" bIns="45720" rtlCol="0" anchor="b">
+            <a:normAutofit/>
+          </a:bodyPr>
+          <a:lstStyle/>
+          <a:p>
+            <a:pPr algn="ctr"/>
+            <a:r>
+              <a:rPr lang="en-US" sz="6000" kern="1200">
+                <a:solidFill>
+                  <a:srgbClr val="FFFFFF"/>
+                </a:solidFill>
+                <a:latin typeface="+mj-lt"/>
+                <a:ea typeface="+mj-ea"/>
+                <a:cs typeface="+mj-cs"/>
+              </a:rPr>
+              <a:t>Backup slides</a:t>
+            </a:r>
+          </a:p>
+        </p:txBody>
+      </p:sp>
+    </p:spTree>
+    <p:extLst>
+      <p:ext uri="{BB962C8B-B14F-4D97-AF65-F5344CB8AC3E}">
+        <p14:creationId xmlns:p14="http://schemas.microsoft.com/office/powerpoint/2010/main" val="2005576817"/>
+      </p:ext>
+    </p:extLst>
+  </p:cSld>
+  <p:clrMapOvr>
+    <a:masterClrMapping/>
+  </p:clrMapOvr>
+</p:sld>
+</file>
+
+<file path=ppt/slides/slide11.xml><?xml version="1.0" encoding="utf-8"?>
+<p:sld xmlns:a="http://schemas.openxmlformats.org/drawingml/2006/main" xmlns:r="http://schemas.openxmlformats.org/officeDocument/2006/relationships" xmlns:p="http://schemas.openxmlformats.org/presentationml/2006/main">
+  <p:cSld>
+    <p:bg>
+      <p:bgPr>
+        <a:solidFill>
+          <a:schemeClr val="bg1"/>
+        </a:solidFill>
+        <a:effectLst/>
+      </p:bgPr>
+    </p:bg>
+    <p:spTree>
+      <p:nvGrpSpPr>
+        <p:cNvPr id="1" name=""/>
+        <p:cNvGrpSpPr/>
+        <p:nvPr/>
+      </p:nvGrpSpPr>
+      <p:grpSpPr>
+        <a:xfrm>
+          <a:off x="0" y="0"/>
+          <a:ext cx="0" cy="0"/>
+          <a:chOff x="0" y="0"/>
+          <a:chExt cx="0" cy="0"/>
+        </a:xfrm>
+      </p:grpSpPr>
+      <p:sp>
+        <p:nvSpPr>
+          <p:cNvPr id="12" name="Rectangle 11">
+            <a:extLst>
+              <a:ext uri="{FF2B5EF4-FFF2-40B4-BE49-F238E27FC236}">
+                <a16:creationId xmlns:a16="http://schemas.microsoft.com/office/drawing/2014/main" id="{6753252F-4873-4F63-801D-CC719279A7D5}"/>
+              </a:ext>
+              <a:ext uri="{C183D7F6-B498-43B3-948B-1728B52AA6E4}">
+                <adec:decorative xmlns:adec="http://schemas.microsoft.com/office/drawing/2017/decorative" val="1"/>
+              </a:ext>
+            </a:extLst>
+          </p:cNvPr>
+          <p:cNvSpPr>
+            <a:spLocks noGrp="1" noRot="1" noChangeAspect="1" noMove="1" noResize="1" noEditPoints="1" noAdjustHandles="1" noChangeArrowheads="1" noChangeShapeType="1" noTextEdit="1"/>
+          </p:cNvSpPr>
+          <p:nvPr>
+            <p:extLst>
+              <p:ext uri="{386F3935-93C4-4BCD-93E2-E3B085C9AB24}">
+                <p16:designElem xmlns:p16="http://schemas.microsoft.com/office/powerpoint/2015/main" val="1"/>
+              </p:ext>
+            </p:extLst>
+          </p:nvPr>
+        </p:nvSpPr>
+        <p:spPr>
+          <a:xfrm>
+            <a:off x="0" y="0"/>
+            <a:ext cx="12192000" cy="6858000"/>
+          </a:xfrm>
+          <a:prstGeom prst="rect">
+            <a:avLst/>
+          </a:prstGeom>
+          <a:solidFill>
+            <a:srgbClr val="FFFFFF"/>
+          </a:solidFill>
+          <a:ln>
+            <a:noFill/>
+          </a:ln>
+        </p:spPr>
+        <p:style>
+          <a:lnRef idx="2">
+            <a:schemeClr val="accent1">
+              <a:shade val="50000"/>
+            </a:schemeClr>
+          </a:lnRef>
+          <a:fillRef idx="1">
+            <a:schemeClr val="accent1"/>
+          </a:fillRef>
+          <a:effectRef idx="0">
+            <a:schemeClr val="accent1"/>
+          </a:effectRef>
+          <a:fontRef idx="minor">
+            <a:schemeClr val="lt1"/>
+          </a:fontRef>
+        </p:style>
+        <p:txBody>
+          <a:bodyPr rtlCol="0" anchor="ctr"/>
+          <a:lstStyle/>
+          <a:p>
+            <a:pPr algn="ctr"/>
+            <a:endParaRPr lang="en-US"/>
+          </a:p>
+        </p:txBody>
+      </p:sp>
+      <p:sp>
+        <p:nvSpPr>
+          <p:cNvPr id="14" name="Rectangle 13">
+            <a:extLst>
+              <a:ext uri="{FF2B5EF4-FFF2-40B4-BE49-F238E27FC236}">
+                <a16:creationId xmlns:a16="http://schemas.microsoft.com/office/drawing/2014/main" id="{047C8CCB-F95D-4249-92DD-651249D3535A}"/>
+              </a:ext>
+              <a:ext uri="{C183D7F6-B498-43B3-948B-1728B52AA6E4}">
+                <adec:decorative xmlns:adec="http://schemas.microsoft.com/office/drawing/2017/decorative" val="1"/>
+              </a:ext>
+            </a:extLst>
+          </p:cNvPr>
+          <p:cNvSpPr>
+            <a:spLocks noGrp="1" noRot="1" noChangeAspect="1" noMove="1" noResize="1" noEditPoints="1" noAdjustHandles="1" noChangeArrowheads="1" noChangeShapeType="1" noTextEdit="1"/>
+          </p:cNvSpPr>
+          <p:nvPr>
+            <p:extLst>
+              <p:ext uri="{386F3935-93C4-4BCD-93E2-E3B085C9AB24}">
+                <p16:designElem xmlns:p16="http://schemas.microsoft.com/office/powerpoint/2015/main" val="1"/>
+              </p:ext>
+            </p:extLst>
+          </p:nvPr>
+        </p:nvSpPr>
+        <p:spPr>
+          <a:xfrm>
+            <a:off x="0" y="0"/>
+            <a:ext cx="2013557" cy="6858000"/>
+          </a:xfrm>
+          <a:prstGeom prst="rect">
+            <a:avLst/>
+          </a:prstGeom>
+          <a:solidFill>
+            <a:srgbClr val="7F7F7F"/>
+          </a:solidFill>
+          <a:ln>
+            <a:noFill/>
+          </a:ln>
+        </p:spPr>
+        <p:style>
+          <a:lnRef idx="2">
+            <a:schemeClr val="accent1">
+              <a:shade val="50000"/>
+            </a:schemeClr>
+          </a:lnRef>
+          <a:fillRef idx="1">
+            <a:schemeClr val="accent1"/>
+          </a:fillRef>
+          <a:effectRef idx="0">
+            <a:schemeClr val="accent1"/>
+          </a:effectRef>
+          <a:fontRef idx="minor">
+            <a:schemeClr val="lt1"/>
+          </a:fontRef>
+        </p:style>
+        <p:txBody>
+          <a:bodyPr rtlCol="0" anchor="ctr"/>
+          <a:lstStyle/>
+          <a:p>
+            <a:pPr algn="ctr"/>
+            <a:endParaRPr lang="en-US"/>
+          </a:p>
+        </p:txBody>
+      </p:sp>
+      <p:sp>
+        <p:nvSpPr>
+          <p:cNvPr id="2" name="Title 1">
+            <a:extLst>
+              <a:ext uri="{FF2B5EF4-FFF2-40B4-BE49-F238E27FC236}">
+                <a16:creationId xmlns:a16="http://schemas.microsoft.com/office/drawing/2014/main" id="{E4A46038-AA0D-7247-B01F-8160EF264E90}"/>
+              </a:ext>
+            </a:extLst>
+          </p:cNvPr>
+          <p:cNvSpPr>
+            <a:spLocks noGrp="1"/>
+          </p:cNvSpPr>
+          <p:nvPr>
+            <p:ph type="title"/>
+          </p:nvPr>
+        </p:nvSpPr>
+        <p:spPr>
+          <a:xfrm>
+            <a:off x="640080" y="2074363"/>
+            <a:ext cx="2752354" cy="2709275"/>
+          </a:xfrm>
+          <a:prstGeom prst="ellipse">
+            <a:avLst/>
+          </a:prstGeom>
+          <a:solidFill>
+            <a:srgbClr val="262626"/>
+          </a:solidFill>
+          <a:ln w="174625" cmpd="thinThick">
+            <a:solidFill>
+              <a:srgbClr val="262626"/>
+            </a:solidFill>
+          </a:ln>
+        </p:spPr>
+        <p:txBody>
+          <a:bodyPr vert="horz" lIns="91440" tIns="45720" rIns="91440" bIns="45720" rtlCol="0" anchor="ctr">
+            <a:normAutofit/>
+          </a:bodyPr>
+          <a:lstStyle/>
+          <a:p>
+            <a:pPr algn="ctr"/>
+            <a:r>
+              <a:rPr lang="en-US" sz="2600" kern="1200" dirty="0">
+                <a:solidFill>
+                  <a:srgbClr val="FFFFFF"/>
+                </a:solidFill>
+                <a:latin typeface="+mj-lt"/>
+                <a:ea typeface="+mj-ea"/>
+                <a:cs typeface="+mj-cs"/>
+              </a:rPr>
+              <a:t>Compiler output and simulator input</a:t>
+            </a:r>
+          </a:p>
+        </p:txBody>
+      </p:sp>
+      <p:pic>
+        <p:nvPicPr>
+          <p:cNvPr id="7" name="Picture 6">
+            <a:extLst>
+              <a:ext uri="{FF2B5EF4-FFF2-40B4-BE49-F238E27FC236}">
+                <a16:creationId xmlns:a16="http://schemas.microsoft.com/office/drawing/2014/main" id="{3FDEEC52-F4EF-554B-A72C-648A39641CED}"/>
+              </a:ext>
+            </a:extLst>
+          </p:cNvPr>
+          <p:cNvPicPr>
+            <a:picLocks noChangeAspect="1"/>
+          </p:cNvPicPr>
+          <p:nvPr/>
+        </p:nvPicPr>
+        <p:blipFill>
+          <a:blip r:embed="rId2">
+            <a:extLst>
+              <a:ext uri="{28A0092B-C50C-407E-A947-70E740481C1C}">
+                <a14:useLocalDpi xmlns:a14="http://schemas.microsoft.com/office/drawing/2010/main" val="0"/>
+              </a:ext>
+            </a:extLst>
+          </a:blip>
+          <a:stretch>
+            <a:fillRect/>
+          </a:stretch>
+        </p:blipFill>
+        <p:spPr>
+          <a:xfrm>
+            <a:off x="4038600" y="1459537"/>
+            <a:ext cx="7188199" cy="3935536"/>
+          </a:xfrm>
+          <a:prstGeom prst="rect">
+            <a:avLst/>
+          </a:prstGeom>
+        </p:spPr>
+      </p:pic>
+    </p:spTree>
+    <p:extLst>
+      <p:ext uri="{BB962C8B-B14F-4D97-AF65-F5344CB8AC3E}">
+        <p14:creationId xmlns:p14="http://schemas.microsoft.com/office/powerpoint/2010/main" val="2606095157"/>
+      </p:ext>
+    </p:extLst>
+  </p:cSld>
+  <p:clrMapOvr>
+    <a:masterClrMapping/>
+  </p:clrMapOvr>
+</p:sld>
+</file>
+
+<file path=ppt/slides/slide12.xml><?xml version="1.0" encoding="utf-8"?>
+<p:sld xmlns:a="http://schemas.openxmlformats.org/drawingml/2006/main" xmlns:r="http://schemas.openxmlformats.org/officeDocument/2006/relationships" xmlns:p="http://schemas.openxmlformats.org/presentationml/2006/main">
+  <p:cSld>
+    <p:spTree>
+      <p:nvGrpSpPr>
+        <p:cNvPr id="1" name=""/>
+        <p:cNvGrpSpPr/>
+        <p:nvPr/>
+      </p:nvGrpSpPr>
+      <p:grpSpPr>
+        <a:xfrm>
+          <a:off x="0" y="0"/>
+          <a:ext cx="0" cy="0"/>
+          <a:chOff x="0" y="0"/>
+          <a:chExt cx="0" cy="0"/>
+        </a:xfrm>
+      </p:grpSpPr>
+      <p:sp>
+        <p:nvSpPr>
+          <p:cNvPr id="2" name="Title 1">
+            <a:extLst>
+              <a:ext uri="{FF2B5EF4-FFF2-40B4-BE49-F238E27FC236}">
+                <a16:creationId xmlns:a16="http://schemas.microsoft.com/office/drawing/2014/main" id="{84EEF14A-7F23-AB4A-A5A6-A1872E833E7F}"/>
+              </a:ext>
+            </a:extLst>
+          </p:cNvPr>
+          <p:cNvSpPr>
+            <a:spLocks noGrp="1"/>
+          </p:cNvSpPr>
+          <p:nvPr>
+            <p:ph type="title"/>
+          </p:nvPr>
+        </p:nvSpPr>
+        <p:spPr/>
+        <p:txBody>
+          <a:bodyPr/>
+          <a:lstStyle/>
+          <a:p>
+            <a:endParaRPr lang="en-US"/>
+          </a:p>
+        </p:txBody>
+      </p:sp>
+      <p:sp>
+        <p:nvSpPr>
+          <p:cNvPr id="3" name="Content Placeholder 2">
+            <a:extLst>
+              <a:ext uri="{FF2B5EF4-FFF2-40B4-BE49-F238E27FC236}">
+                <a16:creationId xmlns:a16="http://schemas.microsoft.com/office/drawing/2014/main" id="{9558112B-CCEA-734A-BF1F-AF850285C0BF}"/>
+              </a:ext>
+            </a:extLst>
+          </p:cNvPr>
+          <p:cNvSpPr>
+            <a:spLocks noGrp="1"/>
+          </p:cNvSpPr>
+          <p:nvPr>
+            <p:ph idx="1"/>
+          </p:nvPr>
+        </p:nvSpPr>
+        <p:spPr/>
+        <p:txBody>
+          <a:bodyPr/>
+          <a:lstStyle/>
+          <a:p>
+            <a:endParaRPr lang="en-US"/>
+          </a:p>
+        </p:txBody>
+      </p:sp>
+    </p:spTree>
+    <p:extLst>
+      <p:ext uri="{BB962C8B-B14F-4D97-AF65-F5344CB8AC3E}">
+        <p14:creationId xmlns:p14="http://schemas.microsoft.com/office/powerpoint/2010/main" val="1575997043"/>
+      </p:ext>
+    </p:extLst>
+  </p:cSld>
+  <p:clrMapOvr>
+    <a:masterClrMapping/>
+  </p:clrMapOvr>
+</p:sld>
+</file>
+
 <file path=ppt/slides/slide2.xml><?xml version="1.0" encoding="utf-8"?>
+<p:sld xmlns:a="http://schemas.openxmlformats.org/drawingml/2006/main" xmlns:r="http://schemas.openxmlformats.org/officeDocument/2006/relationships" xmlns:p="http://schemas.openxmlformats.org/presentationml/2006/main">
+  <p:cSld>
+    <p:spTree>
+      <p:nvGrpSpPr>
+        <p:cNvPr id="1" name=""/>
+        <p:cNvGrpSpPr/>
+        <p:nvPr/>
+      </p:nvGrpSpPr>
+      <p:grpSpPr>
+        <a:xfrm>
+          <a:off x="0" y="0"/>
+          <a:ext cx="0" cy="0"/>
+          <a:chOff x="0" y="0"/>
+          <a:chExt cx="0" cy="0"/>
+        </a:xfrm>
+      </p:grpSpPr>
+      <p:sp>
+        <p:nvSpPr>
+          <p:cNvPr id="2" name="Title 1">
+            <a:extLst>
+              <a:ext uri="{FF2B5EF4-FFF2-40B4-BE49-F238E27FC236}">
+                <a16:creationId xmlns:a16="http://schemas.microsoft.com/office/drawing/2014/main" id="{0B4C880A-9E44-1847-A757-5FFA8234C6F7}"/>
+              </a:ext>
+            </a:extLst>
+          </p:cNvPr>
+          <p:cNvSpPr>
+            <a:spLocks noGrp="1"/>
+          </p:cNvSpPr>
+          <p:nvPr>
+            <p:ph type="title"/>
+          </p:nvPr>
+        </p:nvSpPr>
+        <p:spPr>
+          <a:xfrm>
+            <a:off x="5152622" y="493913"/>
+            <a:ext cx="2214093" cy="1325563"/>
+          </a:xfrm>
+        </p:spPr>
+        <p:txBody>
+          <a:bodyPr/>
+          <a:lstStyle/>
+          <a:p>
+            <a:r>
+              <a:rPr lang="en-US" dirty="0"/>
+              <a:t>LeNet-5</a:t>
+            </a:r>
+          </a:p>
+        </p:txBody>
+      </p:sp>
+      <p:pic>
+        <p:nvPicPr>
+          <p:cNvPr id="1026" name="Picture 2" descr="https://lh6.googleusercontent.com/X6Lttb8_X-m1lkgrD4Y_BmwnDCk1VowcMuhv37bxYcJlWdELwbFJFYmGFv8lVAMr-axLlOPlI3rPoaxiVAV38m5wj2VW4f5xtHko3dH829ta9-MjZUSv_UUNpUCd1FCQNoXCbL05">
+            <a:extLst>
+              <a:ext uri="{FF2B5EF4-FFF2-40B4-BE49-F238E27FC236}">
+                <a16:creationId xmlns:a16="http://schemas.microsoft.com/office/drawing/2014/main" id="{7401DD81-4469-2249-AF0B-9F97EDA1A247}"/>
+              </a:ext>
+            </a:extLst>
+          </p:cNvPr>
+          <p:cNvPicPr>
+            <a:picLocks noChangeAspect="1" noChangeArrowheads="1"/>
+          </p:cNvPicPr>
+          <p:nvPr/>
+        </p:nvPicPr>
+        <p:blipFill>
+          <a:blip r:embed="rId2">
+            <a:extLst>
+              <a:ext uri="{28A0092B-C50C-407E-A947-70E740481C1C}">
+                <a14:useLocalDpi xmlns:a14="http://schemas.microsoft.com/office/drawing/2010/main" val="0"/>
+              </a:ext>
+            </a:extLst>
+          </a:blip>
+          <a:srcRect/>
+          <a:stretch>
+            <a:fillRect/>
+          </a:stretch>
+        </p:blipFill>
+        <p:spPr bwMode="auto">
+          <a:xfrm>
+            <a:off x="2273300" y="2459418"/>
+            <a:ext cx="7645400" cy="2730500"/>
+          </a:xfrm>
+          <a:prstGeom prst="rect">
+            <a:avLst/>
+          </a:prstGeom>
+          <a:noFill/>
+          <a:extLst>
+            <a:ext uri="{909E8E84-426E-40DD-AFC4-6F175D3DCCD1}">
+              <a14:hiddenFill xmlns:a14="http://schemas.microsoft.com/office/drawing/2010/main">
+                <a:solidFill>
+                  <a:srgbClr val="FFFFFF"/>
+                </a:solidFill>
+              </a14:hiddenFill>
+            </a:ext>
+          </a:extLst>
+        </p:spPr>
+      </p:pic>
+    </p:spTree>
+    <p:extLst>
+      <p:ext uri="{BB962C8B-B14F-4D97-AF65-F5344CB8AC3E}">
+        <p14:creationId xmlns:p14="http://schemas.microsoft.com/office/powerpoint/2010/main" val="3235361055"/>
+      </p:ext>
+    </p:extLst>
+  </p:cSld>
+  <p:clrMapOvr>
+    <a:masterClrMapping/>
+  </p:clrMapOvr>
+</p:sld>
+</file>
+
+<file path=ppt/slides/slide3.xml><?xml version="1.0" encoding="utf-8"?>
+<p:sld xmlns:a="http://schemas.openxmlformats.org/drawingml/2006/main" xmlns:r="http://schemas.openxmlformats.org/officeDocument/2006/relationships" xmlns:p="http://schemas.openxmlformats.org/presentationml/2006/main">
+  <p:cSld>
+    <p:spTree>
+      <p:nvGrpSpPr>
+        <p:cNvPr id="1" name=""/>
+        <p:cNvGrpSpPr/>
+        <p:nvPr/>
+      </p:nvGrpSpPr>
+      <p:grpSpPr>
+        <a:xfrm>
+          <a:off x="0" y="0"/>
+          <a:ext cx="0" cy="0"/>
+          <a:chOff x="0" y="0"/>
+          <a:chExt cx="0" cy="0"/>
+        </a:xfrm>
+      </p:grpSpPr>
+      <p:sp>
+        <p:nvSpPr>
+          <p:cNvPr id="2" name="Title 1">
+            <a:extLst>
+              <a:ext uri="{FF2B5EF4-FFF2-40B4-BE49-F238E27FC236}">
+                <a16:creationId xmlns:a16="http://schemas.microsoft.com/office/drawing/2014/main" id="{0F21E763-86A7-2E46-B2B8-6DB340C90739}"/>
+              </a:ext>
+            </a:extLst>
+          </p:cNvPr>
+          <p:cNvSpPr>
+            <a:spLocks noGrp="1"/>
+          </p:cNvSpPr>
+          <p:nvPr>
+            <p:ph type="title"/>
+          </p:nvPr>
+        </p:nvSpPr>
+        <p:spPr>
+          <a:xfrm>
+            <a:off x="4457163" y="146184"/>
+            <a:ext cx="3926983" cy="1325563"/>
+          </a:xfrm>
+        </p:spPr>
+        <p:txBody>
+          <a:bodyPr/>
+          <a:lstStyle/>
+          <a:p>
+            <a:r>
+              <a:rPr lang="en-US" dirty="0"/>
+              <a:t>LeNet-5 details</a:t>
+            </a:r>
+          </a:p>
+        </p:txBody>
+      </p:sp>
+      <p:sp>
+        <p:nvSpPr>
+          <p:cNvPr id="3" name="Content Placeholder 2">
+            <a:extLst>
+              <a:ext uri="{FF2B5EF4-FFF2-40B4-BE49-F238E27FC236}">
+                <a16:creationId xmlns:a16="http://schemas.microsoft.com/office/drawing/2014/main" id="{DCD0069A-BE71-284B-97EE-88D9E05E3924}"/>
+              </a:ext>
+            </a:extLst>
+          </p:cNvPr>
+          <p:cNvSpPr>
+            <a:spLocks noGrp="1"/>
+          </p:cNvSpPr>
+          <p:nvPr>
+            <p:ph idx="1"/>
+          </p:nvPr>
+        </p:nvSpPr>
+        <p:spPr>
+          <a:xfrm>
+            <a:off x="2189408" y="1365161"/>
+            <a:ext cx="6542467" cy="5179229"/>
+          </a:xfrm>
+        </p:spPr>
+        <p:txBody>
+          <a:bodyPr>
+            <a:normAutofit fontScale="92500" lnSpcReduction="10000"/>
+          </a:bodyPr>
+          <a:lstStyle/>
+          <a:p>
+            <a:r>
+              <a:rPr lang="en-IN" sz="1400" dirty="0"/>
+              <a:t>LeNet-5 comprises of 7 layers which are (in order and after input) - </a:t>
+            </a:r>
+          </a:p>
+          <a:p>
+            <a:pPr fontAlgn="base"/>
+            <a:r>
+              <a:rPr lang="en-IN" sz="1400" dirty="0"/>
+              <a:t>Convolution layer C1 (6 filters of size 5x5)</a:t>
+            </a:r>
+          </a:p>
+          <a:p>
+            <a:pPr lvl="1" fontAlgn="base"/>
+            <a:r>
+              <a:rPr lang="en-IN" sz="1400" dirty="0"/>
+              <a:t>Input shape: 32x32x1</a:t>
+            </a:r>
+          </a:p>
+          <a:p>
+            <a:pPr lvl="1" fontAlgn="base"/>
+            <a:r>
+              <a:rPr lang="en-IN" sz="1400" dirty="0"/>
+              <a:t>Output shape: 28x28x6</a:t>
+            </a:r>
+          </a:p>
+          <a:p>
+            <a:pPr fontAlgn="base"/>
+            <a:r>
+              <a:rPr lang="en-IN" sz="1400" dirty="0"/>
+              <a:t>Pooling layer S2 (size 2x2)</a:t>
+            </a:r>
+          </a:p>
+          <a:p>
+            <a:pPr lvl="1" fontAlgn="base"/>
+            <a:r>
+              <a:rPr lang="en-IN" sz="1400" dirty="0"/>
+              <a:t>Input shape: 28x28x6</a:t>
+            </a:r>
+          </a:p>
+          <a:p>
+            <a:pPr lvl="1" fontAlgn="base"/>
+            <a:r>
+              <a:rPr lang="en-IN" sz="1400" dirty="0"/>
+              <a:t>Output shape: 14x14x6</a:t>
+            </a:r>
+          </a:p>
+          <a:p>
+            <a:pPr fontAlgn="base"/>
+            <a:r>
+              <a:rPr lang="en-IN" sz="1400" dirty="0"/>
+              <a:t>Convolution layer C3 (16 filters of size 5x5)</a:t>
+            </a:r>
+          </a:p>
+          <a:p>
+            <a:pPr lvl="1" fontAlgn="base"/>
+            <a:r>
+              <a:rPr lang="en-IN" sz="1400" dirty="0"/>
+              <a:t>Input shape: 14x14x6</a:t>
+            </a:r>
+          </a:p>
+          <a:p>
+            <a:pPr lvl="1" fontAlgn="base"/>
+            <a:r>
+              <a:rPr lang="en-IN" sz="1400" dirty="0"/>
+              <a:t>Output shape: 10x10x16</a:t>
+            </a:r>
+          </a:p>
+          <a:p>
+            <a:pPr fontAlgn="base"/>
+            <a:r>
+              <a:rPr lang="en-IN" sz="1400" dirty="0"/>
+              <a:t>Pooling layer S4 (size 2x2)</a:t>
+            </a:r>
+          </a:p>
+          <a:p>
+            <a:pPr lvl="1" fontAlgn="base"/>
+            <a:r>
+              <a:rPr lang="en-IN" sz="1400" dirty="0"/>
+              <a:t>Input shape: 10x10x16</a:t>
+            </a:r>
+          </a:p>
+          <a:p>
+            <a:pPr lvl="1" fontAlgn="base"/>
+            <a:r>
+              <a:rPr lang="en-IN" sz="1400" dirty="0"/>
+              <a:t>Output shape: 5x5x16</a:t>
+            </a:r>
+          </a:p>
+          <a:p>
+            <a:pPr fontAlgn="base"/>
+            <a:r>
+              <a:rPr lang="en-IN" sz="1400" dirty="0"/>
+              <a:t>Convolution layer C5 (120 filters of size 5x5)</a:t>
+            </a:r>
+          </a:p>
+          <a:p>
+            <a:pPr lvl="1" fontAlgn="base"/>
+            <a:r>
+              <a:rPr lang="en-IN" sz="1400" dirty="0"/>
+              <a:t>Input shape: 5x5x16</a:t>
+            </a:r>
+          </a:p>
+          <a:p>
+            <a:pPr lvl="1" fontAlgn="base"/>
+            <a:r>
+              <a:rPr lang="en-IN" sz="1400" dirty="0"/>
+              <a:t>Output shape: 1x1x120</a:t>
+            </a:r>
+          </a:p>
+          <a:p>
+            <a:pPr fontAlgn="base"/>
+            <a:r>
+              <a:rPr lang="en-IN" sz="1400" dirty="0"/>
+              <a:t>Fully connected</a:t>
+            </a:r>
+          </a:p>
+          <a:p>
+            <a:pPr lvl="1" fontAlgn="base"/>
+            <a:r>
+              <a:rPr lang="en-IN" sz="1400" dirty="0"/>
+              <a:t>Input shape: 1x1x120</a:t>
+            </a:r>
+          </a:p>
+          <a:p>
+            <a:pPr lvl="1" fontAlgn="base"/>
+            <a:r>
+              <a:rPr lang="en-IN" sz="1400" dirty="0"/>
+              <a:t>Output shape: 1x1x84</a:t>
+            </a:r>
+          </a:p>
+          <a:p>
+            <a:pPr fontAlgn="base"/>
+            <a:r>
+              <a:rPr lang="en-IN" sz="1400" dirty="0"/>
+              <a:t>Output</a:t>
+            </a:r>
+          </a:p>
+          <a:p>
+            <a:pPr marL="0" indent="0">
+              <a:buNone/>
+            </a:pPr>
+            <a:endParaRPr lang="en-US" sz="1200" dirty="0"/>
+          </a:p>
+        </p:txBody>
+      </p:sp>
+      <p:sp>
+        <p:nvSpPr>
+          <p:cNvPr id="4" name="Right Brace 3">
+            <a:extLst>
+              <a:ext uri="{FF2B5EF4-FFF2-40B4-BE49-F238E27FC236}">
+                <a16:creationId xmlns:a16="http://schemas.microsoft.com/office/drawing/2014/main" id="{D722CEB0-7BED-3A49-B1F3-7A7AFE5351F0}"/>
+              </a:ext>
+            </a:extLst>
+          </p:cNvPr>
+          <p:cNvSpPr/>
+          <p:nvPr/>
+        </p:nvSpPr>
+        <p:spPr>
+          <a:xfrm>
+            <a:off x="7160654" y="1712890"/>
+            <a:ext cx="489397" cy="4507606"/>
+          </a:xfrm>
+          <a:prstGeom prst="rightBrace">
+            <a:avLst/>
+          </a:prstGeom>
+        </p:spPr>
+        <p:style>
+          <a:lnRef idx="1">
+            <a:schemeClr val="accent1"/>
+          </a:lnRef>
+          <a:fillRef idx="0">
+            <a:schemeClr val="accent1"/>
+          </a:fillRef>
+          <a:effectRef idx="0">
+            <a:schemeClr val="accent1"/>
+          </a:effectRef>
+          <a:fontRef idx="minor">
+            <a:schemeClr val="tx1"/>
+          </a:fontRef>
+        </p:style>
+        <p:txBody>
+          <a:bodyPr rtlCol="0" anchor="ctr"/>
+          <a:lstStyle/>
+          <a:p>
+            <a:pPr algn="ctr"/>
+            <a:endParaRPr lang="en-US"/>
+          </a:p>
+        </p:txBody>
+      </p:sp>
+      <p:sp>
+        <p:nvSpPr>
+          <p:cNvPr id="5" name="Rounded Rectangle 4">
+            <a:extLst>
+              <a:ext uri="{FF2B5EF4-FFF2-40B4-BE49-F238E27FC236}">
+                <a16:creationId xmlns:a16="http://schemas.microsoft.com/office/drawing/2014/main" id="{12E75EA2-9D92-AC4F-898D-65EE2992DDE5}"/>
+              </a:ext>
+            </a:extLst>
+          </p:cNvPr>
+          <p:cNvSpPr/>
+          <p:nvPr/>
+        </p:nvSpPr>
+        <p:spPr>
+          <a:xfrm>
+            <a:off x="7791718" y="3103809"/>
+            <a:ext cx="2665927" cy="1287887"/>
+          </a:xfrm>
+          <a:prstGeom prst="roundRect">
+            <a:avLst/>
+          </a:prstGeom>
+        </p:spPr>
+        <p:style>
+          <a:lnRef idx="2">
+            <a:schemeClr val="accent1">
+              <a:shade val="50000"/>
+            </a:schemeClr>
+          </a:lnRef>
+          <a:fillRef idx="1">
+            <a:schemeClr val="accent1"/>
+          </a:fillRef>
+          <a:effectRef idx="0">
+            <a:schemeClr val="accent1"/>
+          </a:effectRef>
+          <a:fontRef idx="minor">
+            <a:schemeClr val="lt1"/>
+          </a:fontRef>
+        </p:style>
+        <p:txBody>
+          <a:bodyPr rtlCol="0" anchor="ctr"/>
+          <a:lstStyle/>
+          <a:p>
+            <a:pPr algn="ctr"/>
+            <a:r>
+              <a:rPr lang="en-US" dirty="0"/>
+              <a:t>Layer to simulate on hardware is parameterizable</a:t>
+            </a:r>
+          </a:p>
+        </p:txBody>
+      </p:sp>
+    </p:spTree>
+    <p:extLst>
+      <p:ext uri="{BB962C8B-B14F-4D97-AF65-F5344CB8AC3E}">
+        <p14:creationId xmlns:p14="http://schemas.microsoft.com/office/powerpoint/2010/main" val="1176302083"/>
+      </p:ext>
+    </p:extLst>
+  </p:cSld>
+  <p:clrMapOvr>
+    <a:masterClrMapping/>
+  </p:clrMapOvr>
+</p:sld>
+</file>
+
+<file path=ppt/slides/slide4.xml><?xml version="1.0" encoding="utf-8"?>
 <p:sld xmlns:a="http://schemas.openxmlformats.org/drawingml/2006/main" xmlns:r="http://schemas.openxmlformats.org/officeDocument/2006/relationships" xmlns:p="http://schemas.openxmlformats.org/presentationml/2006/main">
   <p:cSld>
     <p:spTree>
@@ -4811,8 +5806,8 @@
           </p:nvSpPr>
           <p:spPr>
             <a:xfrm>
-              <a:off x="7193280" y="3786882"/>
-              <a:ext cx="3048000" cy="369332"/>
+              <a:off x="6471920" y="3786882"/>
+              <a:ext cx="3769360" cy="625395"/>
             </a:xfrm>
             <a:prstGeom prst="rect">
               <a:avLst/>
@@ -4827,7 +5822,13 @@
             <a:p>
               <a:r>
                 <a:rPr lang="en-US" b="1" dirty="0"/>
-                <a:t>	FUSION UNIT</a:t>
+                <a:t>	FUSION UNIT COLLECTION</a:t>
+              </a:r>
+            </a:p>
+            <a:p>
+              <a:r>
+                <a:rPr lang="en-US" b="1" dirty="0"/>
+                <a:t>	  (16 x16)</a:t>
               </a:r>
               <a:endParaRPr lang="en-IN" b="1" dirty="0"/>
             </a:p>
@@ -5053,6 +6054,76 @@
           </p:style>
         </p:cxnSp>
       </p:grpSp>
+      <p:sp>
+        <p:nvSpPr>
+          <p:cNvPr id="2" name="TextBox 1">
+            <a:extLst>
+              <a:ext uri="{FF2B5EF4-FFF2-40B4-BE49-F238E27FC236}">
+                <a16:creationId xmlns:a16="http://schemas.microsoft.com/office/drawing/2014/main" id="{3803DB98-087C-0845-A105-58211819BD3B}"/>
+              </a:ext>
+            </a:extLst>
+          </p:cNvPr>
+          <p:cNvSpPr txBox="1"/>
+          <p:nvPr/>
+        </p:nvSpPr>
+        <p:spPr>
+          <a:xfrm>
+            <a:off x="6375042" y="1428064"/>
+            <a:ext cx="843638" cy="369332"/>
+          </a:xfrm>
+          <a:prstGeom prst="rect">
+            <a:avLst/>
+          </a:prstGeom>
+          <a:noFill/>
+        </p:spPr>
+        <p:txBody>
+          <a:bodyPr wrap="square" rtlCol="0">
+            <a:spAutoFit/>
+          </a:bodyPr>
+          <a:lstStyle/>
+          <a:p>
+            <a:r>
+              <a:rPr lang="en-US" b="1" dirty="0"/>
+              <a:t>WBUF</a:t>
+            </a:r>
+          </a:p>
+        </p:txBody>
+      </p:sp>
+      <p:sp>
+        <p:nvSpPr>
+          <p:cNvPr id="39" name="TextBox 38">
+            <a:extLst>
+              <a:ext uri="{FF2B5EF4-FFF2-40B4-BE49-F238E27FC236}">
+                <a16:creationId xmlns:a16="http://schemas.microsoft.com/office/drawing/2014/main" id="{35A1A16F-F8FB-D64A-8388-66F047077963}"/>
+              </a:ext>
+            </a:extLst>
+          </p:cNvPr>
+          <p:cNvSpPr txBox="1"/>
+          <p:nvPr/>
+        </p:nvSpPr>
+        <p:spPr>
+          <a:xfrm>
+            <a:off x="4998613" y="2093733"/>
+            <a:ext cx="238939" cy="1200329"/>
+          </a:xfrm>
+          <a:prstGeom prst="rect">
+            <a:avLst/>
+          </a:prstGeom>
+          <a:noFill/>
+        </p:spPr>
+        <p:txBody>
+          <a:bodyPr wrap="square" rtlCol="0">
+            <a:spAutoFit/>
+          </a:bodyPr>
+          <a:lstStyle/>
+          <a:p>
+            <a:r>
+              <a:rPr lang="en-US" b="1" dirty="0"/>
+              <a:t>IBUF</a:t>
+            </a:r>
+          </a:p>
+        </p:txBody>
+      </p:sp>
     </p:spTree>
     <p:extLst>
       <p:ext uri="{BB962C8B-B14F-4D97-AF65-F5344CB8AC3E}">
@@ -5066,7 +6137,7 @@
 </p:sld>
 </file>
 
-<file path=ppt/slides/slide3.xml><?xml version="1.0" encoding="utf-8"?>
+<file path=ppt/slides/slide5.xml><?xml version="1.0" encoding="utf-8"?>
 <p:sld xmlns:a="http://schemas.openxmlformats.org/drawingml/2006/main" xmlns:r="http://schemas.openxmlformats.org/officeDocument/2006/relationships" xmlns:p="http://schemas.openxmlformats.org/presentationml/2006/main">
   <p:cSld>
     <p:bg>
@@ -5287,6 +6358,50 @@
           </a:p>
         </p:txBody>
       </p:sp>
+      <p:sp>
+        <p:nvSpPr>
+          <p:cNvPr id="2" name="Right Brace 1">
+            <a:extLst>
+              <a:ext uri="{FF2B5EF4-FFF2-40B4-BE49-F238E27FC236}">
+                <a16:creationId xmlns:a16="http://schemas.microsoft.com/office/drawing/2014/main" id="{97A1BDFE-1E4D-7341-AA5C-024BF67DBC97}"/>
+              </a:ext>
+            </a:extLst>
+          </p:cNvPr>
+          <p:cNvSpPr/>
+          <p:nvPr/>
+        </p:nvSpPr>
+        <p:spPr>
+          <a:xfrm>
+            <a:off x="9337183" y="4056845"/>
+            <a:ext cx="257578" cy="1738809"/>
+          </a:xfrm>
+          <a:prstGeom prst="rightBrace">
+            <a:avLst/>
+          </a:prstGeom>
+        </p:spPr>
+        <p:style>
+          <a:lnRef idx="1">
+            <a:schemeClr val="accent1"/>
+          </a:lnRef>
+          <a:fillRef idx="0">
+            <a:schemeClr val="accent1"/>
+          </a:fillRef>
+          <a:effectRef idx="0">
+            <a:schemeClr val="accent1"/>
+          </a:effectRef>
+          <a:fontRef idx="minor">
+            <a:schemeClr val="tx1"/>
+          </a:fontRef>
+        </p:style>
+        <p:txBody>
+          <a:bodyPr rtlCol="0" anchor="ctr"/>
+          <a:lstStyle/>
+          <a:p>
+            <a:pPr algn="ctr"/>
+            <a:endParaRPr lang="en-US"/>
+          </a:p>
+        </p:txBody>
+      </p:sp>
     </p:spTree>
     <p:extLst>
       <p:ext uri="{BB962C8B-B14F-4D97-AF65-F5344CB8AC3E}">
@@ -5300,7 +6415,198 @@
 </p:sld>
 </file>
 
-<file path=ppt/slides/slide4.xml><?xml version="1.0" encoding="utf-8"?>
+<file path=ppt/slides/slide6.xml><?xml version="1.0" encoding="utf-8"?>
+<p:sld xmlns:a="http://schemas.openxmlformats.org/drawingml/2006/main" xmlns:r="http://schemas.openxmlformats.org/officeDocument/2006/relationships" xmlns:p="http://schemas.openxmlformats.org/presentationml/2006/main">
+  <p:cSld>
+    <p:spTree>
+      <p:nvGrpSpPr>
+        <p:cNvPr id="1" name=""/>
+        <p:cNvGrpSpPr/>
+        <p:nvPr/>
+      </p:nvGrpSpPr>
+      <p:grpSpPr>
+        <a:xfrm>
+          <a:off x="0" y="0"/>
+          <a:ext cx="0" cy="0"/>
+          <a:chOff x="0" y="0"/>
+          <a:chExt cx="0" cy="0"/>
+        </a:xfrm>
+      </p:grpSpPr>
+      <p:sp>
+        <p:nvSpPr>
+          <p:cNvPr id="4" name="TextBox 3">
+            <a:extLst>
+              <a:ext uri="{FF2B5EF4-FFF2-40B4-BE49-F238E27FC236}">
+                <a16:creationId xmlns:a16="http://schemas.microsoft.com/office/drawing/2014/main" id="{4FAB9E1A-0F25-214E-963B-E969F854D400}"/>
+              </a:ext>
+            </a:extLst>
+          </p:cNvPr>
+          <p:cNvSpPr txBox="1"/>
+          <p:nvPr/>
+        </p:nvSpPr>
+        <p:spPr>
+          <a:xfrm>
+            <a:off x="3556256" y="1062346"/>
+            <a:ext cx="5598159" cy="369332"/>
+          </a:xfrm>
+          <a:prstGeom prst="rect">
+            <a:avLst/>
+          </a:prstGeom>
+          <a:noFill/>
+        </p:spPr>
+        <p:txBody>
+          <a:bodyPr wrap="square" rtlCol="0">
+            <a:spAutoFit/>
+          </a:bodyPr>
+          <a:lstStyle/>
+          <a:p>
+            <a:pPr algn="ctr"/>
+            <a:r>
+              <a:rPr lang="en-US" b="1" dirty="0"/>
+              <a:t>BIT FUSION ARCHITECTURE – 6b x 4b Quantization</a:t>
+            </a:r>
+            <a:endParaRPr lang="en-IN" b="1" dirty="0"/>
+          </a:p>
+        </p:txBody>
+      </p:sp>
+      <p:pic>
+        <p:nvPicPr>
+          <p:cNvPr id="6" name="Picture 5">
+            <a:extLst>
+              <a:ext uri="{FF2B5EF4-FFF2-40B4-BE49-F238E27FC236}">
+                <a16:creationId xmlns:a16="http://schemas.microsoft.com/office/drawing/2014/main" id="{7B60EDDB-6CB5-C84F-9A58-24D68FBC544E}"/>
+              </a:ext>
+            </a:extLst>
+          </p:cNvPr>
+          <p:cNvPicPr>
+            <a:picLocks noChangeAspect="1"/>
+          </p:cNvPicPr>
+          <p:nvPr/>
+        </p:nvPicPr>
+        <p:blipFill>
+          <a:blip r:embed="rId2">
+            <a:extLst>
+              <a:ext uri="{28A0092B-C50C-407E-A947-70E740481C1C}">
+                <a14:useLocalDpi xmlns:a14="http://schemas.microsoft.com/office/drawing/2010/main" val="0"/>
+              </a:ext>
+            </a:extLst>
+          </a:blip>
+          <a:stretch>
+            <a:fillRect/>
+          </a:stretch>
+        </p:blipFill>
+        <p:spPr>
+          <a:xfrm>
+            <a:off x="2584450" y="1899991"/>
+            <a:ext cx="7023100" cy="4165600"/>
+          </a:xfrm>
+          <a:prstGeom prst="rect">
+            <a:avLst/>
+          </a:prstGeom>
+        </p:spPr>
+      </p:pic>
+      <p:sp>
+        <p:nvSpPr>
+          <p:cNvPr id="9" name="Right Brace 8">
+            <a:extLst>
+              <a:ext uri="{FF2B5EF4-FFF2-40B4-BE49-F238E27FC236}">
+                <a16:creationId xmlns:a16="http://schemas.microsoft.com/office/drawing/2014/main" id="{BFF866B4-1863-A049-BE6B-2CAFA12B3308}"/>
+              </a:ext>
+            </a:extLst>
+          </p:cNvPr>
+          <p:cNvSpPr/>
+          <p:nvPr/>
+        </p:nvSpPr>
+        <p:spPr>
+          <a:xfrm>
+            <a:off x="9736428" y="4018208"/>
+            <a:ext cx="270457" cy="2047383"/>
+          </a:xfrm>
+          <a:prstGeom prst="rightBrace">
+            <a:avLst/>
+          </a:prstGeom>
+        </p:spPr>
+        <p:style>
+          <a:lnRef idx="1">
+            <a:schemeClr val="accent1"/>
+          </a:lnRef>
+          <a:fillRef idx="0">
+            <a:schemeClr val="accent1"/>
+          </a:fillRef>
+          <a:effectRef idx="0">
+            <a:schemeClr val="accent1"/>
+          </a:effectRef>
+          <a:fontRef idx="minor">
+            <a:schemeClr val="tx1"/>
+          </a:fontRef>
+        </p:style>
+        <p:txBody>
+          <a:bodyPr rtlCol="0" anchor="ctr"/>
+          <a:lstStyle/>
+          <a:p>
+            <a:pPr algn="ctr"/>
+            <a:endParaRPr lang="en-US"/>
+          </a:p>
+        </p:txBody>
+      </p:sp>
+      <p:sp>
+        <p:nvSpPr>
+          <p:cNvPr id="10" name="Left Brace 9">
+            <a:extLst>
+              <a:ext uri="{FF2B5EF4-FFF2-40B4-BE49-F238E27FC236}">
+                <a16:creationId xmlns:a16="http://schemas.microsoft.com/office/drawing/2014/main" id="{B64D85BB-3AF7-B64B-87B2-B8356D815C4C}"/>
+              </a:ext>
+            </a:extLst>
+          </p:cNvPr>
+          <p:cNvSpPr/>
+          <p:nvPr/>
+        </p:nvSpPr>
+        <p:spPr>
+          <a:xfrm>
+            <a:off x="2369713" y="3992451"/>
+            <a:ext cx="309093" cy="2073140"/>
+          </a:xfrm>
+          <a:prstGeom prst="leftBrace">
+            <a:avLst/>
+          </a:prstGeom>
+        </p:spPr>
+        <p:style>
+          <a:lnRef idx="1">
+            <a:schemeClr val="accent1"/>
+          </a:lnRef>
+          <a:fillRef idx="0">
+            <a:schemeClr val="accent1"/>
+          </a:fillRef>
+          <a:effectRef idx="0">
+            <a:schemeClr val="accent1"/>
+          </a:effectRef>
+          <a:fontRef idx="minor">
+            <a:schemeClr val="tx1"/>
+          </a:fontRef>
+        </p:style>
+        <p:txBody>
+          <a:bodyPr rtlCol="0" anchor="ctr"/>
+          <a:lstStyle/>
+          <a:p>
+            <a:pPr algn="ctr"/>
+            <a:endParaRPr lang="en-US"/>
+          </a:p>
+        </p:txBody>
+      </p:sp>
+    </p:spTree>
+    <p:extLst>
+      <p:ext uri="{BB962C8B-B14F-4D97-AF65-F5344CB8AC3E}">
+        <p14:creationId xmlns:p14="http://schemas.microsoft.com/office/powerpoint/2010/main" val="1845748262"/>
+      </p:ext>
+    </p:extLst>
+  </p:cSld>
+  <p:clrMapOvr>
+    <a:masterClrMapping/>
+  </p:clrMapOvr>
+</p:sld>
+</file>
+
+<file path=ppt/slides/slide7.xml><?xml version="1.0" encoding="utf-8"?>
 <p:sld xmlns:a="http://schemas.openxmlformats.org/drawingml/2006/main" xmlns:r="http://schemas.openxmlformats.org/officeDocument/2006/relationships" xmlns:p="http://schemas.openxmlformats.org/presentationml/2006/main">
   <p:cSld>
     <p:bg>
@@ -5521,6 +6827,138 @@
           </a:prstGeom>
         </p:spPr>
       </p:pic>
+      <p:sp>
+        <p:nvSpPr>
+          <p:cNvPr id="3" name="Left Brace 2">
+            <a:extLst>
+              <a:ext uri="{FF2B5EF4-FFF2-40B4-BE49-F238E27FC236}">
+                <a16:creationId xmlns:a16="http://schemas.microsoft.com/office/drawing/2014/main" id="{F07D0575-B575-1A47-9AA4-22A5F5FF4D11}"/>
+              </a:ext>
+            </a:extLst>
+          </p:cNvPr>
+          <p:cNvSpPr/>
+          <p:nvPr/>
+        </p:nvSpPr>
+        <p:spPr>
+          <a:xfrm>
+            <a:off x="2731134" y="1764406"/>
+            <a:ext cx="218128" cy="1664594"/>
+          </a:xfrm>
+          <a:prstGeom prst="leftBrace">
+            <a:avLst/>
+          </a:prstGeom>
+        </p:spPr>
+        <p:style>
+          <a:lnRef idx="1">
+            <a:schemeClr val="accent1"/>
+          </a:lnRef>
+          <a:fillRef idx="0">
+            <a:schemeClr val="accent1"/>
+          </a:fillRef>
+          <a:effectRef idx="0">
+            <a:schemeClr val="accent1"/>
+          </a:effectRef>
+          <a:fontRef idx="minor">
+            <a:schemeClr val="tx1"/>
+          </a:fontRef>
+        </p:style>
+        <p:txBody>
+          <a:bodyPr rtlCol="0" anchor="ctr"/>
+          <a:lstStyle/>
+          <a:p>
+            <a:pPr algn="ctr"/>
+            <a:endParaRPr lang="en-US"/>
+          </a:p>
+        </p:txBody>
+      </p:sp>
+      <p:sp>
+        <p:nvSpPr>
+          <p:cNvPr id="7" name="Left Brace 6">
+            <a:extLst>
+              <a:ext uri="{FF2B5EF4-FFF2-40B4-BE49-F238E27FC236}">
+                <a16:creationId xmlns:a16="http://schemas.microsoft.com/office/drawing/2014/main" id="{3388B8DC-D10B-504F-8232-33C39A49EA92}"/>
+              </a:ext>
+            </a:extLst>
+          </p:cNvPr>
+          <p:cNvSpPr/>
+          <p:nvPr/>
+        </p:nvSpPr>
+        <p:spPr>
+          <a:xfrm>
+            <a:off x="2583433" y="3734629"/>
+            <a:ext cx="218128" cy="1664594"/>
+          </a:xfrm>
+          <a:prstGeom prst="leftBrace">
+            <a:avLst/>
+          </a:prstGeom>
+        </p:spPr>
+        <p:style>
+          <a:lnRef idx="1">
+            <a:schemeClr val="accent1"/>
+          </a:lnRef>
+          <a:fillRef idx="0">
+            <a:schemeClr val="accent1"/>
+          </a:fillRef>
+          <a:effectRef idx="0">
+            <a:schemeClr val="accent1"/>
+          </a:effectRef>
+          <a:fontRef idx="minor">
+            <a:schemeClr val="tx1"/>
+          </a:fontRef>
+        </p:style>
+        <p:txBody>
+          <a:bodyPr rtlCol="0" anchor="ctr"/>
+          <a:lstStyle/>
+          <a:p>
+            <a:pPr algn="ctr"/>
+            <a:endParaRPr lang="en-US"/>
+          </a:p>
+        </p:txBody>
+      </p:sp>
+      <p:sp>
+        <p:nvSpPr>
+          <p:cNvPr id="4" name="Right Brace 3">
+            <a:extLst>
+              <a:ext uri="{FF2B5EF4-FFF2-40B4-BE49-F238E27FC236}">
+                <a16:creationId xmlns:a16="http://schemas.microsoft.com/office/drawing/2014/main" id="{5DC2E125-938C-2140-9DBF-B1E9DE85E17B}"/>
+              </a:ext>
+            </a:extLst>
+          </p:cNvPr>
+          <p:cNvSpPr/>
+          <p:nvPr/>
+        </p:nvSpPr>
+        <p:spPr>
+          <a:xfrm>
+            <a:off x="9285668" y="3576332"/>
+            <a:ext cx="175198" cy="1832795"/>
+          </a:xfrm>
+          <a:prstGeom prst="rightBrace">
+            <a:avLst/>
+          </a:prstGeom>
+        </p:spPr>
+        <p:style>
+          <a:lnRef idx="1">
+            <a:schemeClr val="accent1"/>
+          </a:lnRef>
+          <a:fillRef idx="0">
+            <a:schemeClr val="accent1"/>
+          </a:fillRef>
+          <a:effectRef idx="0">
+            <a:schemeClr val="accent1"/>
+          </a:effectRef>
+          <a:fontRef idx="minor">
+            <a:schemeClr val="tx1"/>
+          </a:fontRef>
+        </p:style>
+        <p:txBody>
+          <a:bodyPr rtlCol="0" anchor="ctr"/>
+          <a:lstStyle/>
+          <a:p>
+            <a:pPr algn="ctr"/>
+            <a:endParaRPr lang="en-US"/>
+          </a:p>
+        </p:txBody>
+      </p:sp>
     </p:spTree>
     <p:extLst>
       <p:ext uri="{BB962C8B-B14F-4D97-AF65-F5344CB8AC3E}">
@@ -5534,7 +6972,7 @@
 </p:sld>
 </file>
 
-<file path=ppt/slides/slide5.xml><?xml version="1.0" encoding="utf-8"?>
+<file path=ppt/slides/slide8.xml><?xml version="1.0" encoding="utf-8"?>
 <p:sld xmlns:a="http://schemas.openxmlformats.org/drawingml/2006/main" xmlns:r="http://schemas.openxmlformats.org/officeDocument/2006/relationships" xmlns:p="http://schemas.openxmlformats.org/presentationml/2006/main">
   <p:cSld>
     <p:spTree>
@@ -5604,40 +7042,98 @@
         <p:spPr>
           <a:xfrm>
             <a:off x="2311400" y="2097087"/>
-            <a:ext cx="9362440" cy="2921953"/>
+            <a:ext cx="9362440" cy="4351338"/>
           </a:xfrm>
         </p:spPr>
         <p:txBody>
-          <a:bodyPr/>
+          <a:bodyPr>
+            <a:normAutofit fontScale="85000" lnSpcReduction="20000"/>
+          </a:bodyPr>
           <a:lstStyle/>
           <a:p>
             <a:r>
               <a:rPr lang="en-US" dirty="0"/>
-              <a:t>ISA – Almost done</a:t>
-            </a:r>
-          </a:p>
-          <a:p>
+              <a:t>ISA</a:t>
+            </a:r>
+          </a:p>
+          <a:p>
+            <a:pPr lvl="1"/>
             <a:r>
               <a:rPr lang="en-US" dirty="0"/>
-              <a:t>Micro-architecture – Almost done</a:t>
+              <a:t>Almost done</a:t>
             </a:r>
           </a:p>
           <a:p>
             <a:r>
               <a:rPr lang="en-US" dirty="0"/>
-              <a:t>Compiler – Currently being implemented</a:t>
-            </a:r>
-          </a:p>
-          <a:p>
+              <a:t>Micro-architecture</a:t>
+            </a:r>
+          </a:p>
+          <a:p>
+            <a:pPr lvl="1"/>
             <a:r>
               <a:rPr lang="en-US" dirty="0"/>
-              <a:t>Cycle accurate simulator – Currently being implemented</a:t>
+              <a:t>Almost done</a:t>
             </a:r>
           </a:p>
           <a:p>
             <a:r>
               <a:rPr lang="en-US" dirty="0"/>
-              <a:t>Benchmarks – Work not commenced.</a:t>
+              <a:t>Compiler</a:t>
+            </a:r>
+          </a:p>
+          <a:p>
+            <a:pPr lvl="1"/>
+            <a:r>
+              <a:rPr lang="en-US" dirty="0"/>
+              <a:t>Currently being implemented</a:t>
+            </a:r>
+          </a:p>
+          <a:p>
+            <a:r>
+              <a:rPr lang="en-US" dirty="0"/>
+              <a:t>Cycle accurate simulator</a:t>
+            </a:r>
+          </a:p>
+          <a:p>
+            <a:pPr lvl="1"/>
+            <a:r>
+              <a:rPr lang="en-US" dirty="0"/>
+              <a:t>WIP</a:t>
+            </a:r>
+          </a:p>
+          <a:p>
+            <a:pPr lvl="2"/>
+            <a:r>
+              <a:rPr lang="en-US" dirty="0"/>
+              <a:t>Generate timing data</a:t>
+            </a:r>
+          </a:p>
+          <a:p>
+            <a:pPr lvl="2"/>
+            <a:r>
+              <a:rPr lang="en-US" dirty="0"/>
+              <a:t>Pooling and activation unit</a:t>
+            </a:r>
+          </a:p>
+          <a:p>
+            <a:pPr lvl="2"/>
+            <a:r>
+              <a:rPr lang="en-US" dirty="0"/>
+              <a:t>Needs input from compiler</a:t>
+            </a:r>
+          </a:p>
+          <a:p>
+            <a:r>
+              <a:rPr lang="en-US" dirty="0"/>
+              <a:t>Benchmarks</a:t>
+            </a:r>
+          </a:p>
+          <a:p>
+            <a:pPr lvl="1"/>
+            <a:r>
+              <a:rPr lang="en-US" dirty="0"/>
+              <a:t>Yet to be started</a:t>
             </a:r>
           </a:p>
         </p:txBody>
@@ -5706,7 +7202,7 @@
 </p:sld>
 </file>
 
-<file path=ppt/slides/slide6.xml><?xml version="1.0" encoding="utf-8"?>
+<file path=ppt/slides/slide9.xml><?xml version="1.0" encoding="utf-8"?>
 <p:sld xmlns:a="http://schemas.openxmlformats.org/drawingml/2006/main" xmlns:r="http://schemas.openxmlformats.org/officeDocument/2006/relationships" xmlns:p="http://schemas.openxmlformats.org/presentationml/2006/main">
   <p:cSld>
     <p:bg>
@@ -6023,7 +7519,7 @@
                   <a:srgbClr val="FFFFFF"/>
                 </a:solidFill>
               </a:rPr>
-              <a:t>OUR WORK</a:t>
+              <a:t>Simulator</a:t>
             </a:r>
             <a:endParaRPr lang="en-US" sz="2600" b="1" kern="1200" dirty="0">
               <a:solidFill>
@@ -6040,240 +7536,6 @@
     <p:extLst>
       <p:ext uri="{BB962C8B-B14F-4D97-AF65-F5344CB8AC3E}">
         <p14:creationId xmlns:p14="http://schemas.microsoft.com/office/powerpoint/2010/main" val="4070205549"/>
-      </p:ext>
-    </p:extLst>
-  </p:cSld>
-  <p:clrMapOvr>
-    <a:masterClrMapping/>
-  </p:clrMapOvr>
-</p:sld>
-</file>
-
-<file path=ppt/slides/slide7.xml><?xml version="1.0" encoding="utf-8"?>
-<p:sld xmlns:a="http://schemas.openxmlformats.org/drawingml/2006/main" xmlns:r="http://schemas.openxmlformats.org/officeDocument/2006/relationships" xmlns:p="http://schemas.openxmlformats.org/presentationml/2006/main">
-  <p:cSld>
-    <p:bg>
-      <p:bgPr>
-        <a:solidFill>
-          <a:schemeClr val="bg1"/>
-        </a:solidFill>
-        <a:effectLst/>
-      </p:bgPr>
-    </p:bg>
-    <p:spTree>
-      <p:nvGrpSpPr>
-        <p:cNvPr id="1" name=""/>
-        <p:cNvGrpSpPr/>
-        <p:nvPr/>
-      </p:nvGrpSpPr>
-      <p:grpSpPr>
-        <a:xfrm>
-          <a:off x="0" y="0"/>
-          <a:ext cx="0" cy="0"/>
-          <a:chOff x="0" y="0"/>
-          <a:chExt cx="0" cy="0"/>
-        </a:xfrm>
-      </p:grpSpPr>
-      <p:sp>
-        <p:nvSpPr>
-          <p:cNvPr id="16" name="Rectangle 7">
-            <a:extLst>
-              <a:ext uri="{FF2B5EF4-FFF2-40B4-BE49-F238E27FC236}">
-                <a16:creationId xmlns:a16="http://schemas.microsoft.com/office/drawing/2014/main" id="{32BC26D8-82FB-445E-AA49-62A77D7C1EE0}"/>
-              </a:ext>
-              <a:ext uri="{C183D7F6-B498-43B3-948B-1728B52AA6E4}">
-                <adec:decorative xmlns:adec="http://schemas.microsoft.com/office/drawing/2017/decorative" val="1"/>
-              </a:ext>
-            </a:extLst>
-          </p:cNvPr>
-          <p:cNvSpPr>
-            <a:spLocks noGrp="1" noRot="1" noChangeAspect="1" noMove="1" noResize="1" noEditPoints="1" noAdjustHandles="1" noChangeArrowheads="1" noChangeShapeType="1" noTextEdit="1"/>
-          </p:cNvSpPr>
-          <p:nvPr>
-            <p:extLst>
-              <p:ext uri="{386F3935-93C4-4BCD-93E2-E3B085C9AB24}">
-                <p16:designElem xmlns:p16="http://schemas.microsoft.com/office/powerpoint/2015/main" val="1"/>
-              </p:ext>
-            </p:extLst>
-          </p:nvPr>
-        </p:nvSpPr>
-        <p:spPr>
-          <a:xfrm>
-            <a:off x="0" y="0"/>
-            <a:ext cx="12192000" cy="6858000"/>
-          </a:xfrm>
-          <a:prstGeom prst="rect">
-            <a:avLst/>
-          </a:prstGeom>
-          <a:solidFill>
-            <a:schemeClr val="tx1">
-              <a:lumMod val="65000"/>
-              <a:lumOff val="35000"/>
-            </a:schemeClr>
-          </a:solidFill>
-          <a:ln>
-            <a:noFill/>
-          </a:ln>
-        </p:spPr>
-        <p:style>
-          <a:lnRef idx="2">
-            <a:schemeClr val="accent1">
-              <a:shade val="50000"/>
-            </a:schemeClr>
-          </a:lnRef>
-          <a:fillRef idx="1">
-            <a:schemeClr val="accent1"/>
-          </a:fillRef>
-          <a:effectRef idx="0">
-            <a:schemeClr val="accent1"/>
-          </a:effectRef>
-          <a:fontRef idx="minor">
-            <a:schemeClr val="lt1"/>
-          </a:fontRef>
-        </p:style>
-        <p:txBody>
-          <a:bodyPr rtlCol="0" anchor="ctr"/>
-          <a:lstStyle/>
-          <a:p>
-            <a:pPr algn="ctr"/>
-            <a:endParaRPr lang="en-US"/>
-          </a:p>
-        </p:txBody>
-      </p:sp>
-      <p:sp>
-        <p:nvSpPr>
-          <p:cNvPr id="17" name="Rectangle 9">
-            <a:extLst>
-              <a:ext uri="{FF2B5EF4-FFF2-40B4-BE49-F238E27FC236}">
-                <a16:creationId xmlns:a16="http://schemas.microsoft.com/office/drawing/2014/main" id="{CB44330D-EA18-4254-AA95-EB49948539B8}"/>
-              </a:ext>
-              <a:ext uri="{C183D7F6-B498-43B3-948B-1728B52AA6E4}">
-                <adec:decorative xmlns:adec="http://schemas.microsoft.com/office/drawing/2017/decorative" val="1"/>
-              </a:ext>
-            </a:extLst>
-          </p:cNvPr>
-          <p:cNvSpPr>
-            <a:spLocks noGrp="1" noRot="1" noChangeAspect="1" noMove="1" noResize="1" noEditPoints="1" noAdjustHandles="1" noChangeArrowheads="1" noChangeShapeType="1" noTextEdit="1"/>
-          </p:cNvSpPr>
-          <p:nvPr>
-            <p:extLst>
-              <p:ext uri="{386F3935-93C4-4BCD-93E2-E3B085C9AB24}">
-                <p16:designElem xmlns:p16="http://schemas.microsoft.com/office/powerpoint/2015/main" val="1"/>
-              </p:ext>
-            </p:extLst>
-          </p:nvPr>
-        </p:nvSpPr>
-        <p:spPr>
-          <a:xfrm>
-            <a:off x="477012" y="480060"/>
-            <a:ext cx="11237976" cy="5897880"/>
-          </a:xfrm>
-          <a:prstGeom prst="rect">
-            <a:avLst/>
-          </a:prstGeom>
-          <a:solidFill>
-            <a:srgbClr val="FFFFFF"/>
-          </a:solidFill>
-          <a:ln>
-            <a:noFill/>
-          </a:ln>
-        </p:spPr>
-        <p:style>
-          <a:lnRef idx="2">
-            <a:schemeClr val="accent1">
-              <a:shade val="50000"/>
-            </a:schemeClr>
-          </a:lnRef>
-          <a:fillRef idx="1">
-            <a:schemeClr val="accent1"/>
-          </a:fillRef>
-          <a:effectRef idx="0">
-            <a:schemeClr val="accent1"/>
-          </a:effectRef>
-          <a:fontRef idx="minor">
-            <a:schemeClr val="lt1"/>
-          </a:fontRef>
-        </p:style>
-        <p:txBody>
-          <a:bodyPr rtlCol="0" anchor="ctr"/>
-          <a:lstStyle/>
-          <a:p>
-            <a:pPr algn="ctr"/>
-            <a:endParaRPr lang="en-US"/>
-          </a:p>
-        </p:txBody>
-      </p:sp>
-      <p:sp>
-        <p:nvSpPr>
-          <p:cNvPr id="21" name="TextBox 20">
-            <a:extLst>
-              <a:ext uri="{FF2B5EF4-FFF2-40B4-BE49-F238E27FC236}">
-                <a16:creationId xmlns:a16="http://schemas.microsoft.com/office/drawing/2014/main" id="{8EC6FF08-E8CE-47EF-944B-2AC06BC3DB6A}"/>
-              </a:ext>
-            </a:extLst>
-          </p:cNvPr>
-          <p:cNvSpPr txBox="1"/>
-          <p:nvPr/>
-        </p:nvSpPr>
-        <p:spPr>
-          <a:xfrm>
-            <a:off x="3556256" y="1062346"/>
-            <a:ext cx="5598159" cy="369332"/>
-          </a:xfrm>
-          <a:prstGeom prst="rect">
-            <a:avLst/>
-          </a:prstGeom>
-          <a:noFill/>
-        </p:spPr>
-        <p:txBody>
-          <a:bodyPr wrap="square" rtlCol="0">
-            <a:spAutoFit/>
-          </a:bodyPr>
-          <a:lstStyle/>
-          <a:p>
-            <a:pPr algn="ctr"/>
-            <a:r>
-              <a:rPr lang="en-US" b="1" dirty="0"/>
-              <a:t>BIT FUSION ARCHITECTURE – 6b x 2b Quantization</a:t>
-            </a:r>
-            <a:endParaRPr lang="en-IN" b="1" dirty="0"/>
-          </a:p>
-        </p:txBody>
-      </p:sp>
-      <p:pic>
-        <p:nvPicPr>
-          <p:cNvPr id="2" name="Picture 1">
-            <a:extLst>
-              <a:ext uri="{FF2B5EF4-FFF2-40B4-BE49-F238E27FC236}">
-                <a16:creationId xmlns:a16="http://schemas.microsoft.com/office/drawing/2014/main" id="{FFC18C75-3714-45D1-AA83-0CF1DEB21D0F}"/>
-              </a:ext>
-            </a:extLst>
-          </p:cNvPr>
-          <p:cNvPicPr>
-            <a:picLocks noChangeAspect="1"/>
-          </p:cNvPicPr>
-          <p:nvPr/>
-        </p:nvPicPr>
-        <p:blipFill>
-          <a:blip r:embed="rId2"/>
-          <a:stretch>
-            <a:fillRect/>
-          </a:stretch>
-        </p:blipFill>
-        <p:spPr>
-          <a:xfrm>
-            <a:off x="2797285" y="1911738"/>
-            <a:ext cx="7116099" cy="3645782"/>
-          </a:xfrm>
-          <a:prstGeom prst="rect">
-            <a:avLst/>
-          </a:prstGeom>
-        </p:spPr>
-      </p:pic>
-    </p:spTree>
-    <p:extLst>
-      <p:ext uri="{BB962C8B-B14F-4D97-AF65-F5344CB8AC3E}">
-        <p14:creationId xmlns:p14="http://schemas.microsoft.com/office/powerpoint/2010/main" val="122350603"/>
       </p:ext>
     </p:extLst>
   </p:cSld>

--- a/Presentation_Status.pptx
+++ b/Presentation_Status.pptx
@@ -3418,7 +3418,7 @@
         </p:spPr>
         <p:txBody>
           <a:bodyPr>
-            <a:normAutofit fontScale="77500" lnSpcReduction="20000"/>
+            <a:normAutofit fontScale="92500" lnSpcReduction="10000"/>
           </a:bodyPr>
           <a:lstStyle/>
           <a:p>
@@ -3431,12 +3431,6 @@
             <a:r>
               <a:rPr lang="en-US" sz="2800" dirty="0"/>
               <a:t>Rohit Gupta</a:t>
-            </a:r>
-          </a:p>
-          <a:p>
-            <a:r>
-              <a:rPr lang="en-IN" sz="2800" dirty="0"/>
-              <a:t>Hadi Esmaeilzadeh</a:t>
             </a:r>
           </a:p>
           <a:p>
@@ -6402,6 +6396,47 @@
           </a:p>
         </p:txBody>
       </p:sp>
+      <p:sp>
+        <p:nvSpPr>
+          <p:cNvPr id="8" name="TextBox 7">
+            <a:extLst>
+              <a:ext uri="{FF2B5EF4-FFF2-40B4-BE49-F238E27FC236}">
+                <a16:creationId xmlns:a16="http://schemas.microsoft.com/office/drawing/2014/main" id="{AF611F00-B390-0E40-8D99-74F3B0EF1AD4}"/>
+              </a:ext>
+            </a:extLst>
+          </p:cNvPr>
+          <p:cNvSpPr txBox="1"/>
+          <p:nvPr/>
+        </p:nvSpPr>
+        <p:spPr>
+          <a:xfrm>
+            <a:off x="741940" y="2865446"/>
+            <a:ext cx="1815921" cy="646331"/>
+          </a:xfrm>
+          <a:prstGeom prst="rect">
+            <a:avLst/>
+          </a:prstGeom>
+          <a:noFill/>
+        </p:spPr>
+        <p:txBody>
+          <a:bodyPr wrap="square" rtlCol="0">
+            <a:spAutoFit/>
+          </a:bodyPr>
+          <a:lstStyle/>
+          <a:p>
+            <a:r>
+              <a:rPr lang="en-US" dirty="0"/>
+              <a:t>Product</a:t>
+            </a:r>
+          </a:p>
+          <a:p>
+            <a:r>
+              <a:rPr lang="en-US" dirty="0"/>
+              <a:t>UVW x XYZ</a:t>
+            </a:r>
+          </a:p>
+        </p:txBody>
+      </p:sp>
     </p:spTree>
     <p:extLst>
       <p:ext uri="{BB962C8B-B14F-4D97-AF65-F5344CB8AC3E}">
@@ -6590,6 +6625,47 @@
           <a:p>
             <a:pPr algn="ctr"/>
             <a:endParaRPr lang="en-US"/>
+          </a:p>
+        </p:txBody>
+      </p:sp>
+      <p:sp>
+        <p:nvSpPr>
+          <p:cNvPr id="11" name="TextBox 10">
+            <a:extLst>
+              <a:ext uri="{FF2B5EF4-FFF2-40B4-BE49-F238E27FC236}">
+                <a16:creationId xmlns:a16="http://schemas.microsoft.com/office/drawing/2014/main" id="{86A0B4A7-17E1-A242-959C-B53CC9E6EB65}"/>
+              </a:ext>
+            </a:extLst>
+          </p:cNvPr>
+          <p:cNvSpPr txBox="1"/>
+          <p:nvPr/>
+        </p:nvSpPr>
+        <p:spPr>
+          <a:xfrm>
+            <a:off x="270456" y="2794715"/>
+            <a:ext cx="1815921" cy="646331"/>
+          </a:xfrm>
+          <a:prstGeom prst="rect">
+            <a:avLst/>
+          </a:prstGeom>
+          <a:noFill/>
+        </p:spPr>
+        <p:txBody>
+          <a:bodyPr wrap="square" rtlCol="0">
+            <a:spAutoFit/>
+          </a:bodyPr>
+          <a:lstStyle/>
+          <a:p>
+            <a:r>
+              <a:rPr lang="en-US" dirty="0"/>
+              <a:t>Product</a:t>
+            </a:r>
+          </a:p>
+          <a:p>
+            <a:r>
+              <a:rPr lang="en-US" dirty="0"/>
+              <a:t>UVW x XY</a:t>
+            </a:r>
           </a:p>
         </p:txBody>
       </p:sp>
@@ -6956,6 +7032,47 @@
           <a:p>
             <a:pPr algn="ctr"/>
             <a:endParaRPr lang="en-US"/>
+          </a:p>
+        </p:txBody>
+      </p:sp>
+      <p:sp>
+        <p:nvSpPr>
+          <p:cNvPr id="9" name="TextBox 8">
+            <a:extLst>
+              <a:ext uri="{FF2B5EF4-FFF2-40B4-BE49-F238E27FC236}">
+                <a16:creationId xmlns:a16="http://schemas.microsoft.com/office/drawing/2014/main" id="{E8857951-BC48-7140-A2C7-62D424EDA589}"/>
+              </a:ext>
+            </a:extLst>
+          </p:cNvPr>
+          <p:cNvSpPr txBox="1"/>
+          <p:nvPr/>
+        </p:nvSpPr>
+        <p:spPr>
+          <a:xfrm>
+            <a:off x="528846" y="2782669"/>
+            <a:ext cx="1815921" cy="646331"/>
+          </a:xfrm>
+          <a:prstGeom prst="rect">
+            <a:avLst/>
+          </a:prstGeom>
+          <a:noFill/>
+        </p:spPr>
+        <p:txBody>
+          <a:bodyPr wrap="square" rtlCol="0">
+            <a:spAutoFit/>
+          </a:bodyPr>
+          <a:lstStyle/>
+          <a:p>
+            <a:r>
+              <a:rPr lang="en-US" dirty="0"/>
+              <a:t>Product</a:t>
+            </a:r>
+          </a:p>
+          <a:p>
+            <a:r>
+              <a:rPr lang="en-US" dirty="0"/>
+              <a:t>UVW x X</a:t>
+            </a:r>
           </a:p>
         </p:txBody>
       </p:sp>
